--- a/Sandy-PrácticaDocente/CelsaVirgen/EDC_CalibracionNacional_04062019.pptx
+++ b/Sandy-PrácticaDocente/CelsaVirgen/EDC_CalibracionNacional_04062019.pptx
@@ -212,7 +212,7 @@
           <a:p>
             <a:fld id="{BF966F81-9395-4920-A853-233DD2862205}" type="datetimeFigureOut">
               <a:rPr lang="es-MX" smtClean="0"/>
-              <a:t>04/06/2019</a:t>
+              <a:t>05/06/2019</a:t>
             </a:fld>
             <a:endParaRPr lang="es-MX"/>
           </a:p>
@@ -695,7 +695,7 @@
           <a:p>
             <a:fld id="{B6156DEE-E6EE-456C-84BD-89DB222967A8}" type="datetimeFigureOut">
               <a:rPr lang="es-MX" smtClean="0"/>
-              <a:t>04/06/2019</a:t>
+              <a:t>05/06/2019</a:t>
             </a:fld>
             <a:endParaRPr lang="es-MX"/>
           </a:p>
@@ -865,7 +865,7 @@
           <a:p>
             <a:fld id="{B6156DEE-E6EE-456C-84BD-89DB222967A8}" type="datetimeFigureOut">
               <a:rPr lang="es-MX" smtClean="0"/>
-              <a:t>04/06/2019</a:t>
+              <a:t>05/06/2019</a:t>
             </a:fld>
             <a:endParaRPr lang="es-MX"/>
           </a:p>
@@ -1045,7 +1045,7 @@
           <a:p>
             <a:fld id="{B6156DEE-E6EE-456C-84BD-89DB222967A8}" type="datetimeFigureOut">
               <a:rPr lang="es-MX" smtClean="0"/>
-              <a:t>04/06/2019</a:t>
+              <a:t>05/06/2019</a:t>
             </a:fld>
             <a:endParaRPr lang="es-MX"/>
           </a:p>
@@ -1215,7 +1215,7 @@
           <a:p>
             <a:fld id="{B6156DEE-E6EE-456C-84BD-89DB222967A8}" type="datetimeFigureOut">
               <a:rPr lang="es-MX" smtClean="0"/>
-              <a:t>04/06/2019</a:t>
+              <a:t>05/06/2019</a:t>
             </a:fld>
             <a:endParaRPr lang="es-MX"/>
           </a:p>
@@ -1461,7 +1461,7 @@
           <a:p>
             <a:fld id="{B6156DEE-E6EE-456C-84BD-89DB222967A8}" type="datetimeFigureOut">
               <a:rPr lang="es-MX" smtClean="0"/>
-              <a:t>04/06/2019</a:t>
+              <a:t>05/06/2019</a:t>
             </a:fld>
             <a:endParaRPr lang="es-MX"/>
           </a:p>
@@ -1693,7 +1693,7 @@
           <a:p>
             <a:fld id="{B6156DEE-E6EE-456C-84BD-89DB222967A8}" type="datetimeFigureOut">
               <a:rPr lang="es-MX" smtClean="0"/>
-              <a:t>04/06/2019</a:t>
+              <a:t>05/06/2019</a:t>
             </a:fld>
             <a:endParaRPr lang="es-MX"/>
           </a:p>
@@ -2060,7 +2060,7 @@
           <a:p>
             <a:fld id="{B6156DEE-E6EE-456C-84BD-89DB222967A8}" type="datetimeFigureOut">
               <a:rPr lang="es-MX" smtClean="0"/>
-              <a:t>04/06/2019</a:t>
+              <a:t>05/06/2019</a:t>
             </a:fld>
             <a:endParaRPr lang="es-MX"/>
           </a:p>
@@ -2178,7 +2178,7 @@
           <a:p>
             <a:fld id="{B6156DEE-E6EE-456C-84BD-89DB222967A8}" type="datetimeFigureOut">
               <a:rPr lang="es-MX" smtClean="0"/>
-              <a:t>04/06/2019</a:t>
+              <a:t>05/06/2019</a:t>
             </a:fld>
             <a:endParaRPr lang="es-MX"/>
           </a:p>
@@ -2273,7 +2273,7 @@
           <a:p>
             <a:fld id="{B6156DEE-E6EE-456C-84BD-89DB222967A8}" type="datetimeFigureOut">
               <a:rPr lang="es-MX" smtClean="0"/>
-              <a:t>04/06/2019</a:t>
+              <a:t>05/06/2019</a:t>
             </a:fld>
             <a:endParaRPr lang="es-MX"/>
           </a:p>
@@ -2550,7 +2550,7 @@
           <a:p>
             <a:fld id="{B6156DEE-E6EE-456C-84BD-89DB222967A8}" type="datetimeFigureOut">
               <a:rPr lang="es-MX" smtClean="0"/>
-              <a:t>04/06/2019</a:t>
+              <a:t>05/06/2019</a:t>
             </a:fld>
             <a:endParaRPr lang="es-MX"/>
           </a:p>
@@ -2803,7 +2803,7 @@
           <a:p>
             <a:fld id="{B6156DEE-E6EE-456C-84BD-89DB222967A8}" type="datetimeFigureOut">
               <a:rPr lang="es-MX" smtClean="0"/>
-              <a:t>04/06/2019</a:t>
+              <a:t>05/06/2019</a:t>
             </a:fld>
             <a:endParaRPr lang="es-MX"/>
           </a:p>
@@ -3016,7 +3016,7 @@
           <a:p>
             <a:fld id="{B6156DEE-E6EE-456C-84BD-89DB222967A8}" type="datetimeFigureOut">
               <a:rPr lang="es-MX" smtClean="0"/>
-              <a:t>04/06/2019</a:t>
+              <a:t>05/06/2019</a:t>
             </a:fld>
             <a:endParaRPr lang="es-MX"/>
           </a:p>
@@ -5451,7 +5451,7 @@
           <p:nvPr>
             <p:extLst>
               <p:ext uri="{D42A27DB-BD31-4B8C-83A1-F6EECF244321}">
-                <p14:modId xmlns:p14="http://schemas.microsoft.com/office/powerpoint/2010/main" val="2574528828"/>
+                <p14:modId xmlns:p14="http://schemas.microsoft.com/office/powerpoint/2010/main" val="3588652663"/>
               </p:ext>
             </p:extLst>
           </p:nvPr>
@@ -5496,7 +5496,12 @@
                     </a:p>
                   </a:txBody>
                   <a:tcPr anchor="ctr">
-                    <a:noFill/>
+                    <a:solidFill>
+                      <a:schemeClr val="accent4">
+                        <a:lumMod val="40000"/>
+                        <a:lumOff val="60000"/>
+                      </a:schemeClr>
+                    </a:solidFill>
                   </a:tcPr>
                 </a:tc>
                 <a:tc>
@@ -5513,7 +5518,12 @@
                     </a:p>
                   </a:txBody>
                   <a:tcPr anchor="ctr">
-                    <a:noFill/>
+                    <a:solidFill>
+                      <a:schemeClr val="accent4">
+                        <a:lumMod val="40000"/>
+                        <a:lumOff val="60000"/>
+                      </a:schemeClr>
+                    </a:solidFill>
                   </a:tcPr>
                 </a:tc>
                 <a:tc>
@@ -5537,7 +5547,12 @@
                     </a:p>
                   </a:txBody>
                   <a:tcPr anchor="ctr">
-                    <a:noFill/>
+                    <a:solidFill>
+                      <a:schemeClr val="accent4">
+                        <a:lumMod val="40000"/>
+                        <a:lumOff val="60000"/>
+                      </a:schemeClr>
+                    </a:solidFill>
                   </a:tcPr>
                 </a:tc>
                 <a:tc>
@@ -5557,7 +5572,12 @@
                     </a:p>
                   </a:txBody>
                   <a:tcPr anchor="ctr">
-                    <a:noFill/>
+                    <a:solidFill>
+                      <a:schemeClr val="accent4">
+                        <a:lumMod val="40000"/>
+                        <a:lumOff val="60000"/>
+                      </a:schemeClr>
+                    </a:solidFill>
                   </a:tcPr>
                 </a:tc>
                 <a:tc>
@@ -5581,7 +5601,12 @@
                     </a:p>
                   </a:txBody>
                   <a:tcPr anchor="ctr">
-                    <a:noFill/>
+                    <a:solidFill>
+                      <a:schemeClr val="accent4">
+                        <a:lumMod val="40000"/>
+                        <a:lumOff val="60000"/>
+                      </a:schemeClr>
+                    </a:solidFill>
                   </a:tcPr>
                 </a:tc>
                 <a:tc>
@@ -5605,7 +5630,12 @@
                     </a:p>
                   </a:txBody>
                   <a:tcPr anchor="ctr">
-                    <a:noFill/>
+                    <a:solidFill>
+                      <a:schemeClr val="accent4">
+                        <a:lumMod val="40000"/>
+                        <a:lumOff val="60000"/>
+                      </a:schemeClr>
+                    </a:solidFill>
                   </a:tcPr>
                 </a:tc>
               </a:tr>
@@ -5631,7 +5661,12 @@
                     </a:p>
                   </a:txBody>
                   <a:tcPr anchor="ctr">
-                    <a:noFill/>
+                    <a:solidFill>
+                      <a:schemeClr val="accent4">
+                        <a:lumMod val="40000"/>
+                        <a:lumOff val="60000"/>
+                      </a:schemeClr>
+                    </a:solidFill>
                   </a:tcPr>
                 </a:tc>
                 <a:tc>
@@ -5648,7 +5683,12 @@
                     </a:p>
                   </a:txBody>
                   <a:tcPr anchor="ctr">
-                    <a:noFill/>
+                    <a:solidFill>
+                      <a:schemeClr val="accent4">
+                        <a:lumMod val="40000"/>
+                        <a:lumOff val="60000"/>
+                      </a:schemeClr>
+                    </a:solidFill>
                   </a:tcPr>
                 </a:tc>
                 <a:tc>
@@ -5672,7 +5712,12 @@
                     </a:p>
                   </a:txBody>
                   <a:tcPr anchor="ctr">
-                    <a:noFill/>
+                    <a:solidFill>
+                      <a:schemeClr val="accent4">
+                        <a:lumMod val="40000"/>
+                        <a:lumOff val="60000"/>
+                      </a:schemeClr>
+                    </a:solidFill>
                   </a:tcPr>
                 </a:tc>
                 <a:tc>
@@ -5692,7 +5737,12 @@
                     </a:p>
                   </a:txBody>
                   <a:tcPr anchor="ctr">
-                    <a:noFill/>
+                    <a:solidFill>
+                      <a:schemeClr val="accent4">
+                        <a:lumMod val="40000"/>
+                        <a:lumOff val="60000"/>
+                      </a:schemeClr>
+                    </a:solidFill>
                   </a:tcPr>
                 </a:tc>
                 <a:tc>
@@ -5716,7 +5766,12 @@
                     </a:p>
                   </a:txBody>
                   <a:tcPr anchor="ctr">
-                    <a:noFill/>
+                    <a:solidFill>
+                      <a:schemeClr val="accent4">
+                        <a:lumMod val="40000"/>
+                        <a:lumOff val="60000"/>
+                      </a:schemeClr>
+                    </a:solidFill>
                   </a:tcPr>
                 </a:tc>
                 <a:tc>
@@ -5732,7 +5787,12 @@
                     </a:p>
                   </a:txBody>
                   <a:tcPr anchor="ctr">
-                    <a:noFill/>
+                    <a:solidFill>
+                      <a:schemeClr val="accent4">
+                        <a:lumMod val="40000"/>
+                        <a:lumOff val="60000"/>
+                      </a:schemeClr>
+                    </a:solidFill>
                   </a:tcPr>
                 </a:tc>
               </a:tr>
@@ -5758,7 +5818,12 @@
                     </a:p>
                   </a:txBody>
                   <a:tcPr anchor="ctr">
-                    <a:noFill/>
+                    <a:solidFill>
+                      <a:schemeClr val="accent4">
+                        <a:lumMod val="40000"/>
+                        <a:lumOff val="60000"/>
+                      </a:schemeClr>
+                    </a:solidFill>
                   </a:tcPr>
                 </a:tc>
                 <a:tc>
@@ -5779,7 +5844,12 @@
                     </a:p>
                   </a:txBody>
                   <a:tcPr anchor="ctr">
-                    <a:noFill/>
+                    <a:solidFill>
+                      <a:schemeClr val="accent4">
+                        <a:lumMod val="40000"/>
+                        <a:lumOff val="60000"/>
+                      </a:schemeClr>
+                    </a:solidFill>
                   </a:tcPr>
                 </a:tc>
                 <a:tc>
@@ -5803,7 +5873,12 @@
                     </a:p>
                   </a:txBody>
                   <a:tcPr anchor="ctr">
-                    <a:noFill/>
+                    <a:solidFill>
+                      <a:schemeClr val="accent4">
+                        <a:lumMod val="40000"/>
+                        <a:lumOff val="60000"/>
+                      </a:schemeClr>
+                    </a:solidFill>
                   </a:tcPr>
                 </a:tc>
                 <a:tc>
@@ -5827,7 +5902,12 @@
                     </a:p>
                   </a:txBody>
                   <a:tcPr anchor="ctr">
-                    <a:noFill/>
+                    <a:solidFill>
+                      <a:schemeClr val="accent4">
+                        <a:lumMod val="40000"/>
+                        <a:lumOff val="60000"/>
+                      </a:schemeClr>
+                    </a:solidFill>
                   </a:tcPr>
                 </a:tc>
                 <a:tc>
@@ -5851,7 +5931,12 @@
                     </a:p>
                   </a:txBody>
                   <a:tcPr anchor="ctr">
-                    <a:noFill/>
+                    <a:solidFill>
+                      <a:schemeClr val="accent4">
+                        <a:lumMod val="40000"/>
+                        <a:lumOff val="60000"/>
+                      </a:schemeClr>
+                    </a:solidFill>
                   </a:tcPr>
                 </a:tc>
                 <a:tc>
@@ -5871,7 +5956,12 @@
                     </a:p>
                   </a:txBody>
                   <a:tcPr anchor="ctr">
-                    <a:noFill/>
+                    <a:solidFill>
+                      <a:schemeClr val="accent4">
+                        <a:lumMod val="40000"/>
+                        <a:lumOff val="60000"/>
+                      </a:schemeClr>
+                    </a:solidFill>
                   </a:tcPr>
                 </a:tc>
               </a:tr>
@@ -5903,7 +5993,12 @@
                     </a:p>
                   </a:txBody>
                   <a:tcPr anchor="ctr">
-                    <a:noFill/>
+                    <a:solidFill>
+                      <a:schemeClr val="accent4">
+                        <a:lumMod val="40000"/>
+                        <a:lumOff val="60000"/>
+                      </a:schemeClr>
+                    </a:solidFill>
                   </a:tcPr>
                 </a:tc>
                 <a:tc>
@@ -5928,7 +6023,12 @@
                     </a:p>
                   </a:txBody>
                   <a:tcPr anchor="ctr">
-                    <a:noFill/>
+                    <a:solidFill>
+                      <a:schemeClr val="accent4">
+                        <a:lumMod val="40000"/>
+                        <a:lumOff val="60000"/>
+                      </a:schemeClr>
+                    </a:solidFill>
                   </a:tcPr>
                 </a:tc>
                 <a:tc>
@@ -5952,7 +6052,12 @@
                     </a:p>
                   </a:txBody>
                   <a:tcPr anchor="ctr">
-                    <a:noFill/>
+                    <a:solidFill>
+                      <a:schemeClr val="accent4">
+                        <a:lumMod val="40000"/>
+                        <a:lumOff val="60000"/>
+                      </a:schemeClr>
+                    </a:solidFill>
                   </a:tcPr>
                 </a:tc>
                 <a:tc>
@@ -5977,7 +6082,12 @@
                     </a:p>
                   </a:txBody>
                   <a:tcPr anchor="ctr">
-                    <a:noFill/>
+                    <a:solidFill>
+                      <a:schemeClr val="accent4">
+                        <a:lumMod val="40000"/>
+                        <a:lumOff val="60000"/>
+                      </a:schemeClr>
+                    </a:solidFill>
                   </a:tcPr>
                 </a:tc>
                 <a:tc>
@@ -6037,7 +6147,12 @@
                     </a:p>
                   </a:txBody>
                   <a:tcPr anchor="ctr">
-                    <a:noFill/>
+                    <a:solidFill>
+                      <a:schemeClr val="accent4">
+                        <a:lumMod val="40000"/>
+                        <a:lumOff val="60000"/>
+                      </a:schemeClr>
+                    </a:solidFill>
                   </a:tcPr>
                 </a:tc>
                 <a:tc>
@@ -6068,7 +6183,12 @@
                     </a:p>
                   </a:txBody>
                   <a:tcPr anchor="ctr">
-                    <a:noFill/>
+                    <a:solidFill>
+                      <a:schemeClr val="accent4">
+                        <a:lumMod val="40000"/>
+                        <a:lumOff val="60000"/>
+                      </a:schemeClr>
+                    </a:solidFill>
                   </a:tcPr>
                 </a:tc>
                 <a:tc>
@@ -6092,7 +6212,12 @@
                     </a:p>
                   </a:txBody>
                   <a:tcPr anchor="ctr">
-                    <a:noFill/>
+                    <a:solidFill>
+                      <a:schemeClr val="accent4">
+                        <a:lumMod val="40000"/>
+                        <a:lumOff val="60000"/>
+                      </a:schemeClr>
+                    </a:solidFill>
                   </a:tcPr>
                 </a:tc>
                 <a:tc>
@@ -6113,7 +6238,12 @@
                     </a:p>
                   </a:txBody>
                   <a:tcPr anchor="ctr">
-                    <a:noFill/>
+                    <a:solidFill>
+                      <a:schemeClr val="accent4">
+                        <a:lumMod val="40000"/>
+                        <a:lumOff val="60000"/>
+                      </a:schemeClr>
+                    </a:solidFill>
                   </a:tcPr>
                 </a:tc>
                 <a:tc>
@@ -6149,57 +6279,30 @@
           </a:graphicData>
         </a:graphic>
       </p:graphicFrame>
-      <p:sp>
-        <p:nvSpPr>
-          <p:cNvPr id="6" name="Rectángulo redondeado 5"/>
-          <p:cNvSpPr/>
+      <p:pic>
+        <p:nvPicPr>
+          <p:cNvPr id="4" name="Imagen 3"/>
+          <p:cNvPicPr>
+            <a:picLocks noChangeAspect="1"/>
+          </p:cNvPicPr>
           <p:nvPr/>
-        </p:nvSpPr>
+        </p:nvPicPr>
+        <p:blipFill>
+          <a:blip r:embed="rId2"/>
+          <a:stretch>
+            <a:fillRect/>
+          </a:stretch>
+        </p:blipFill>
         <p:spPr>
           <a:xfrm>
-            <a:off x="4339988" y="1690688"/>
-            <a:ext cx="3275463" cy="1598422"/>
+            <a:off x="2427031" y="0"/>
+            <a:ext cx="7337937" cy="4746812"/>
           </a:xfrm>
-          <a:prstGeom prst="roundRect">
+          <a:prstGeom prst="rect">
             <a:avLst/>
           </a:prstGeom>
         </p:spPr>
-        <p:style>
-          <a:lnRef idx="2">
-            <a:schemeClr val="accent1">
-              <a:shade val="50000"/>
-            </a:schemeClr>
-          </a:lnRef>
-          <a:fillRef idx="1">
-            <a:schemeClr val="accent1"/>
-          </a:fillRef>
-          <a:effectRef idx="0">
-            <a:schemeClr val="accent1"/>
-          </a:effectRef>
-          <a:fontRef idx="minor">
-            <a:schemeClr val="lt1"/>
-          </a:fontRef>
-        </p:style>
-        <p:txBody>
-          <a:bodyPr rtlCol="0" anchor="ctr"/>
-          <a:lstStyle/>
-          <a:p>
-            <a:pPr algn="ctr"/>
-            <a:r>
-              <a:rPr lang="es-MX" dirty="0" smtClean="0"/>
-              <a:t>Eje 3 </a:t>
-            </a:r>
-          </a:p>
-          <a:p>
-            <a:pPr algn="ctr"/>
-            <a:r>
-              <a:rPr lang="es-MX" dirty="0" smtClean="0"/>
-              <a:t>(Pendiente)</a:t>
-            </a:r>
-            <a:endParaRPr lang="es-MX" dirty="0"/>
-          </a:p>
-        </p:txBody>
-      </p:sp>
+      </p:pic>
     </p:spTree>
     <p:extLst>
       <p:ext uri="{BB962C8B-B14F-4D97-AF65-F5344CB8AC3E}">
